--- a/exercise/Lab03_TranDuyKhuong_3122410192/slide/Phân tích khám phá về bệnh đái tháo đường.pptx
+++ b/exercise/Lab03_TranDuyKhuong_3122410192/slide/Phân tích khám phá về bệnh đái tháo đường.pptx
@@ -217,7 +217,7 @@
           <a:p>
             <a:fld id="{FA70D627-74EA-4C98-984E-D570270C8588}" type="datetimeFigureOut">
               <a:rPr lang="en-US" smtClean="0"/>
-              <a:t>9/25/2025</a:t>
+              <a:t>9/24/2025</a:t>
             </a:fld>
             <a:endParaRPr lang="en-US"/>
           </a:p>
@@ -2227,7 +2227,7 @@
           <a:p>
             <a:fld id="{795A79AC-BB74-46F6-9C79-5A250EA0F2B8}" type="datetimeFigureOut">
               <a:rPr lang="en-US" smtClean="0"/>
-              <a:t>9/25/2025</a:t>
+              <a:t>9/24/2025</a:t>
             </a:fld>
             <a:endParaRPr lang="en-US"/>
           </a:p>
@@ -2425,7 +2425,7 @@
           <a:p>
             <a:fld id="{795A79AC-BB74-46F6-9C79-5A250EA0F2B8}" type="datetimeFigureOut">
               <a:rPr lang="en-US" smtClean="0"/>
-              <a:t>9/25/2025</a:t>
+              <a:t>9/24/2025</a:t>
             </a:fld>
             <a:endParaRPr lang="en-US"/>
           </a:p>
@@ -2633,7 +2633,7 @@
           <a:p>
             <a:fld id="{795A79AC-BB74-46F6-9C79-5A250EA0F2B8}" type="datetimeFigureOut">
               <a:rPr lang="en-US" smtClean="0"/>
-              <a:t>9/25/2025</a:t>
+              <a:t>9/24/2025</a:t>
             </a:fld>
             <a:endParaRPr lang="en-US"/>
           </a:p>
@@ -2831,7 +2831,7 @@
           <a:p>
             <a:fld id="{795A79AC-BB74-46F6-9C79-5A250EA0F2B8}" type="datetimeFigureOut">
               <a:rPr lang="en-US" smtClean="0"/>
-              <a:t>9/25/2025</a:t>
+              <a:t>9/24/2025</a:t>
             </a:fld>
             <a:endParaRPr lang="en-US"/>
           </a:p>
@@ -3106,7 +3106,7 @@
           <a:p>
             <a:fld id="{795A79AC-BB74-46F6-9C79-5A250EA0F2B8}" type="datetimeFigureOut">
               <a:rPr lang="en-US" smtClean="0"/>
-              <a:t>9/25/2025</a:t>
+              <a:t>9/24/2025</a:t>
             </a:fld>
             <a:endParaRPr lang="en-US"/>
           </a:p>
@@ -3371,7 +3371,7 @@
           <a:p>
             <a:fld id="{795A79AC-BB74-46F6-9C79-5A250EA0F2B8}" type="datetimeFigureOut">
               <a:rPr lang="en-US" smtClean="0"/>
-              <a:t>9/25/2025</a:t>
+              <a:t>9/24/2025</a:t>
             </a:fld>
             <a:endParaRPr lang="en-US"/>
           </a:p>
@@ -3783,7 +3783,7 @@
           <a:p>
             <a:fld id="{795A79AC-BB74-46F6-9C79-5A250EA0F2B8}" type="datetimeFigureOut">
               <a:rPr lang="en-US" smtClean="0"/>
-              <a:t>9/25/2025</a:t>
+              <a:t>9/24/2025</a:t>
             </a:fld>
             <a:endParaRPr lang="en-US"/>
           </a:p>
@@ -3924,7 +3924,7 @@
           <a:p>
             <a:fld id="{795A79AC-BB74-46F6-9C79-5A250EA0F2B8}" type="datetimeFigureOut">
               <a:rPr lang="en-US" smtClean="0"/>
-              <a:t>9/25/2025</a:t>
+              <a:t>9/24/2025</a:t>
             </a:fld>
             <a:endParaRPr lang="en-US"/>
           </a:p>
@@ -4037,7 +4037,7 @@
           <a:p>
             <a:fld id="{795A79AC-BB74-46F6-9C79-5A250EA0F2B8}" type="datetimeFigureOut">
               <a:rPr lang="en-US" smtClean="0"/>
-              <a:t>9/25/2025</a:t>
+              <a:t>9/24/2025</a:t>
             </a:fld>
             <a:endParaRPr lang="en-US"/>
           </a:p>
@@ -4348,7 +4348,7 @@
           <a:p>
             <a:fld id="{795A79AC-BB74-46F6-9C79-5A250EA0F2B8}" type="datetimeFigureOut">
               <a:rPr lang="en-US" smtClean="0"/>
-              <a:t>9/25/2025</a:t>
+              <a:t>9/24/2025</a:t>
             </a:fld>
             <a:endParaRPr lang="en-US"/>
           </a:p>
@@ -4636,7 +4636,7 @@
           <a:p>
             <a:fld id="{795A79AC-BB74-46F6-9C79-5A250EA0F2B8}" type="datetimeFigureOut">
               <a:rPr lang="en-US" smtClean="0"/>
-              <a:t>9/25/2025</a:t>
+              <a:t>9/24/2025</a:t>
             </a:fld>
             <a:endParaRPr lang="en-US"/>
           </a:p>
@@ -4877,7 +4877,7 @@
           <a:p>
             <a:fld id="{795A79AC-BB74-46F6-9C79-5A250EA0F2B8}" type="datetimeFigureOut">
               <a:rPr lang="en-US" smtClean="0"/>
-              <a:t>9/25/2025</a:t>
+              <a:t>9/24/2025</a:t>
             </a:fld>
             <a:endParaRPr lang="en-US"/>
           </a:p>
